--- a/docs/diagrams/StorageComponentClassDiagram.pptx
+++ b/docs/diagrams/StorageComponentClassDiagram.pptx
@@ -208,7 +208,7 @@
           <a:p>
             <a:fld id="{F5CC4B3F-88C1-4FFA-B1B6-F41C21DC6924}" type="datetimeFigureOut">
               <a:rPr lang="en-US" smtClean="0"/>
-              <a:t>12/1/2018</a:t>
+              <a:t>28-Feb-19</a:t>
             </a:fld>
             <a:endParaRPr lang="en-US"/>
           </a:p>
@@ -654,7 +654,7 @@
           <a:p>
             <a:fld id="{78C97017-6FC3-485B-9764-EAC9E56C1D49}" type="datetimeFigureOut">
               <a:rPr lang="en-US" smtClean="0"/>
-              <a:t>12/1/2018</a:t>
+              <a:t>28-Feb-19</a:t>
             </a:fld>
             <a:endParaRPr lang="en-US"/>
           </a:p>
@@ -822,7 +822,7 @@
           <a:p>
             <a:fld id="{78C97017-6FC3-485B-9764-EAC9E56C1D49}" type="datetimeFigureOut">
               <a:rPr lang="en-US" smtClean="0"/>
-              <a:t>12/1/2018</a:t>
+              <a:t>28-Feb-19</a:t>
             </a:fld>
             <a:endParaRPr lang="en-US"/>
           </a:p>
@@ -1000,7 +1000,7 @@
           <a:p>
             <a:fld id="{78C97017-6FC3-485B-9764-EAC9E56C1D49}" type="datetimeFigureOut">
               <a:rPr lang="en-US" smtClean="0"/>
-              <a:t>12/1/2018</a:t>
+              <a:t>28-Feb-19</a:t>
             </a:fld>
             <a:endParaRPr lang="en-US"/>
           </a:p>
@@ -1168,7 +1168,7 @@
           <a:p>
             <a:fld id="{78C97017-6FC3-485B-9764-EAC9E56C1D49}" type="datetimeFigureOut">
               <a:rPr lang="en-US" smtClean="0"/>
-              <a:t>12/1/2018</a:t>
+              <a:t>28-Feb-19</a:t>
             </a:fld>
             <a:endParaRPr lang="en-US"/>
           </a:p>
@@ -1413,7 +1413,7 @@
           <a:p>
             <a:fld id="{78C97017-6FC3-485B-9764-EAC9E56C1D49}" type="datetimeFigureOut">
               <a:rPr lang="en-US" smtClean="0"/>
-              <a:t>12/1/2018</a:t>
+              <a:t>28-Feb-19</a:t>
             </a:fld>
             <a:endParaRPr lang="en-US"/>
           </a:p>
@@ -1698,7 +1698,7 @@
           <a:p>
             <a:fld id="{78C97017-6FC3-485B-9764-EAC9E56C1D49}" type="datetimeFigureOut">
               <a:rPr lang="en-US" smtClean="0"/>
-              <a:t>12/1/2018</a:t>
+              <a:t>28-Feb-19</a:t>
             </a:fld>
             <a:endParaRPr lang="en-US"/>
           </a:p>
@@ -2117,7 +2117,7 @@
           <a:p>
             <a:fld id="{78C97017-6FC3-485B-9764-EAC9E56C1D49}" type="datetimeFigureOut">
               <a:rPr lang="en-US" smtClean="0"/>
-              <a:t>12/1/2018</a:t>
+              <a:t>28-Feb-19</a:t>
             </a:fld>
             <a:endParaRPr lang="en-US"/>
           </a:p>
@@ -2234,7 +2234,7 @@
           <a:p>
             <a:fld id="{78C97017-6FC3-485B-9764-EAC9E56C1D49}" type="datetimeFigureOut">
               <a:rPr lang="en-US" smtClean="0"/>
-              <a:t>12/1/2018</a:t>
+              <a:t>28-Feb-19</a:t>
             </a:fld>
             <a:endParaRPr lang="en-US"/>
           </a:p>
@@ -2329,7 +2329,7 @@
           <a:p>
             <a:fld id="{78C97017-6FC3-485B-9764-EAC9E56C1D49}" type="datetimeFigureOut">
               <a:rPr lang="en-US" smtClean="0"/>
-              <a:t>12/1/2018</a:t>
+              <a:t>28-Feb-19</a:t>
             </a:fld>
             <a:endParaRPr lang="en-US"/>
           </a:p>
@@ -2604,7 +2604,7 @@
           <a:p>
             <a:fld id="{78C97017-6FC3-485B-9764-EAC9E56C1D49}" type="datetimeFigureOut">
               <a:rPr lang="en-US" smtClean="0"/>
-              <a:t>12/1/2018</a:t>
+              <a:t>28-Feb-19</a:t>
             </a:fld>
             <a:endParaRPr lang="en-US"/>
           </a:p>
@@ -2856,7 +2856,7 @@
           <a:p>
             <a:fld id="{78C97017-6FC3-485B-9764-EAC9E56C1D49}" type="datetimeFigureOut">
               <a:rPr lang="en-US" smtClean="0"/>
-              <a:t>12/1/2018</a:t>
+              <a:t>28-Feb-19</a:t>
             </a:fld>
             <a:endParaRPr lang="en-US"/>
           </a:p>
@@ -3067,7 +3067,7 @@
           <a:p>
             <a:fld id="{78C97017-6FC3-485B-9764-EAC9E56C1D49}" type="datetimeFigureOut">
               <a:rPr lang="en-US" smtClean="0"/>
-              <a:t>12/1/2018</a:t>
+              <a:t>28-Feb-19</a:t>
             </a:fld>
             <a:endParaRPr lang="en-US"/>
           </a:p>
@@ -3451,7 +3451,7 @@
         <p:spPr>
           <a:xfrm>
             <a:off x="1119865" y="2086382"/>
-            <a:ext cx="7871735" cy="1723618"/>
+            <a:ext cx="8024135" cy="1723618"/>
           </a:xfrm>
           <a:prstGeom prst="roundRect">
             <a:avLst>
@@ -3575,7 +3575,7 @@
                   <a:schemeClr val="bg1"/>
                 </a:solidFill>
               </a:rPr>
-              <a:t>AddressBookStorage</a:t>
+              <a:t>VoluncheerStorage</a:t>
             </a:r>
             <a:endParaRPr lang="en-SG" sz="1050" dirty="0">
               <a:solidFill>
@@ -3961,6 +3961,7 @@
         <p:nvCxnSpPr>
           <p:cNvPr id="97" name="Elbow Connector 63"/>
           <p:cNvCxnSpPr>
+            <a:cxnSpLocks/>
             <a:stCxn id="99" idx="3"/>
             <a:endCxn id="50" idx="1"/>
           </p:cNvCxnSpPr>
@@ -3969,7 +3970,7 @@
         <p:spPr>
           <a:xfrm flipV="1">
             <a:off x="4398041" y="3331820"/>
-            <a:ext cx="223324" cy="1"/>
+            <a:ext cx="100898" cy="1"/>
           </a:xfrm>
           <a:prstGeom prst="bentConnector3">
             <a:avLst>
@@ -4062,6 +4063,7 @@
         <p:nvCxnSpPr>
           <p:cNvPr id="124" name="Elbow Connector 122"/>
           <p:cNvCxnSpPr>
+            <a:cxnSpLocks/>
             <a:stCxn id="50" idx="3"/>
             <a:endCxn id="66" idx="1"/>
           </p:cNvCxnSpPr>
@@ -4069,8 +4071,8 @@
         </p:nvCxnSpPr>
         <p:spPr>
           <a:xfrm>
-            <a:off x="5791200" y="3331820"/>
-            <a:ext cx="228600" cy="1970"/>
+            <a:off x="5903654" y="3331820"/>
+            <a:ext cx="252990" cy="1970"/>
           </a:xfrm>
           <a:prstGeom prst="bentConnector3">
             <a:avLst>
@@ -4112,8 +4114,8 @@
         </p:nvSpPr>
         <p:spPr>
           <a:xfrm>
-            <a:off x="4621365" y="3158440"/>
-            <a:ext cx="1169835" cy="346760"/>
+            <a:off x="4498939" y="3158440"/>
+            <a:ext cx="1404715" cy="346760"/>
           </a:xfrm>
           <a:prstGeom prst="rect">
             <a:avLst/>
@@ -4148,7 +4150,7 @@
                   </a:schemeClr>
                 </a:solidFill>
               </a:rPr>
-              <a:t>JsonAddressBook</a:t>
+              <a:t>JsonVoluncheerBook</a:t>
             </a:r>
             <a:br>
               <a:rPr lang="en-US" sz="1050" b="1" dirty="0">
@@ -4538,7 +4540,7 @@
         </p:nvSpPr>
         <p:spPr>
           <a:xfrm>
-            <a:off x="6019800" y="3160410"/>
+            <a:off x="6156644" y="3160410"/>
             <a:ext cx="1200707" cy="346760"/>
           </a:xfrm>
           <a:prstGeom prst="rect">
@@ -4593,7 +4595,7 @@
                   </a:schemeClr>
                 </a:solidFill>
               </a:rPr>
-              <a:t>AddressBook</a:t>
+              <a:t>VoluncheerBook</a:t>
             </a:r>
             <a:endParaRPr lang="en-SG" sz="1050" b="1" dirty="0">
               <a:solidFill>
@@ -4617,8 +4619,8 @@
         </p:nvCxnSpPr>
         <p:spPr>
           <a:xfrm rot="16200000" flipV="1">
-            <a:off x="8077993" y="2992019"/>
-            <a:ext cx="335208" cy="1"/>
+            <a:off x="8075567" y="2989593"/>
+            <a:ext cx="335208" cy="4853"/>
           </a:xfrm>
           <a:prstGeom prst="bentConnector3">
             <a:avLst>
@@ -4655,8 +4657,8 @@
         </p:nvSpPr>
         <p:spPr>
           <a:xfrm>
-            <a:off x="7615736" y="2477656"/>
-            <a:ext cx="1259719" cy="346760"/>
+            <a:off x="7467600" y="2477656"/>
+            <a:ext cx="1546288" cy="346760"/>
           </a:xfrm>
           <a:prstGeom prst="rect">
             <a:avLst/>
@@ -4691,7 +4693,7 @@
                   </a:schemeClr>
                 </a:solidFill>
               </a:rPr>
-              <a:t>JsonAdaptedTag</a:t>
+              <a:t>JsonAdaptedVolunteer</a:t>
             </a:r>
             <a:endParaRPr lang="en-SG" sz="1050" b="1" dirty="0">
               <a:solidFill>
@@ -4747,7 +4749,7 @@
                   </a:schemeClr>
                 </a:solidFill>
               </a:rPr>
-              <a:t>JsonAdaptedPerson</a:t>
+              <a:t>JsonAdaptedProject</a:t>
             </a:r>
             <a:endParaRPr lang="en-SG" sz="1030" b="1" dirty="0">
               <a:solidFill>
@@ -4770,8 +4772,8 @@
         </p:nvCxnSpPr>
         <p:spPr>
           <a:xfrm flipV="1">
-            <a:off x="7220507" y="3333004"/>
-            <a:ext cx="395231" cy="786"/>
+            <a:off x="7357351" y="3333004"/>
+            <a:ext cx="258387" cy="786"/>
           </a:xfrm>
           <a:prstGeom prst="bentConnector3">
             <a:avLst>
